--- a/cunyprime.pptx
+++ b/cunyprime.pptx
@@ -3171,6 +3171,13 @@
   <p:clrMapOvr>
     <a:masterClrMapping/>
   </p:clrMapOvr>
+  <p:timing>
+    <p:tnLst>
+      <p:par>
+        <p:cTn xmlns:p14="http://schemas.microsoft.com/office/powerpoint/2010/main" id="1" dur="indefinite" restart="never" nodeType="tmRoot"/>
+      </p:par>
+    </p:tnLst>
+  </p:timing>
 </p:sld>
 </file>
 
@@ -3311,6 +3318,13 @@
   <p:clrMapOvr>
     <a:masterClrMapping/>
   </p:clrMapOvr>
+  <p:timing>
+    <p:tnLst>
+      <p:par>
+        <p:cTn xmlns:p14="http://schemas.microsoft.com/office/powerpoint/2010/main" id="1" dur="indefinite" restart="never" nodeType="tmRoot"/>
+      </p:par>
+    </p:tnLst>
+  </p:timing>
 </p:sld>
 </file>
 
@@ -3369,18 +3383,19 @@
             </a:br>
             <a:r>
               <a:rPr lang="en-US" dirty="0" smtClean="0"/>
-              <a:t>for</a:t>
-            </a:r>
-            <a:br>
-              <a:rPr lang="en-US" dirty="0" smtClean="0"/>
-            </a:br>
+              <a:t>for </a:t>
+            </a:r>
             <a:r>
               <a:rPr lang="en-US" dirty="0" err="1" smtClean="0"/>
               <a:t>iOS</a:t>
             </a:r>
             <a:r>
               <a:rPr lang="en-US" dirty="0" smtClean="0"/>
-              <a:t> 9.0</a:t>
+              <a:t> </a:t>
+            </a:r>
+            <a:r>
+              <a:rPr lang="en-US" dirty="0" smtClean="0"/>
+              <a:t>9.0</a:t>
             </a:r>
             <a:br>
               <a:rPr lang="en-US" dirty="0" smtClean="0"/>
@@ -3394,12 +3409,8 @@
               <a:t>Xcode</a:t>
             </a:r>
             <a:r>
-              <a:rPr lang="en-US" smtClean="0"/>
+              <a:rPr lang="en-US" dirty="0" smtClean="0"/>
               <a:t> 7.0</a:t>
-            </a:r>
-            <a:r>
-              <a:rPr lang="en-US" dirty="0" smtClean="0"/>
-              <a:t/>
             </a:r>
             <a:br>
               <a:rPr lang="en-US" dirty="0" smtClean="0"/>
@@ -3418,6 +3429,13 @@
   <p:clrMapOvr>
     <a:masterClrMapping/>
   </p:clrMapOvr>
+  <p:timing>
+    <p:tnLst>
+      <p:par>
+        <p:cTn xmlns:p14="http://schemas.microsoft.com/office/powerpoint/2010/main" id="1" dur="indefinite" restart="never" nodeType="tmRoot"/>
+      </p:par>
+    </p:tnLst>
+  </p:timing>
 </p:sld>
 </file>
 
@@ -3569,8 +3587,8 @@
         </p:blipFill>
         <p:spPr>
           <a:xfrm>
-            <a:off x="779287" y="739414"/>
-            <a:ext cx="7533112" cy="4282330"/>
+            <a:off x="1435706" y="739414"/>
+            <a:ext cx="6364046" cy="4282330"/>
           </a:xfrm>
           <a:prstGeom prst="rect">
             <a:avLst/>
@@ -3587,6 +3605,13 @@
   <p:clrMapOvr>
     <a:masterClrMapping/>
   </p:clrMapOvr>
+  <p:timing>
+    <p:tnLst>
+      <p:par>
+        <p:cTn xmlns:p14="http://schemas.microsoft.com/office/powerpoint/2010/main" id="1" dur="indefinite" restart="never" nodeType="tmRoot"/>
+      </p:par>
+    </p:tnLst>
+  </p:timing>
 </p:sld>
 </file>
 
@@ -3725,6 +3750,13 @@
   <p:clrMapOvr>
     <a:masterClrMapping/>
   </p:clrMapOvr>
+  <p:timing>
+    <p:tnLst>
+      <p:par>
+        <p:cTn xmlns:p14="http://schemas.microsoft.com/office/powerpoint/2010/main" id="1" dur="indefinite" restart="never" nodeType="tmRoot"/>
+      </p:par>
+    </p:tnLst>
+  </p:timing>
 </p:sld>
 </file>
 
@@ -3853,6 +3885,13 @@
   <p:clrMapOvr>
     <a:masterClrMapping/>
   </p:clrMapOvr>
+  <p:timing>
+    <p:tnLst>
+      <p:par>
+        <p:cTn xmlns:p14="http://schemas.microsoft.com/office/powerpoint/2010/main" id="1" dur="indefinite" restart="never" nodeType="tmRoot"/>
+      </p:par>
+    </p:tnLst>
+  </p:timing>
 </p:sld>
 </file>
 
@@ -4001,6 +4040,13 @@
   <p:clrMapOvr>
     <a:masterClrMapping/>
   </p:clrMapOvr>
+  <p:timing>
+    <p:tnLst>
+      <p:par>
+        <p:cTn xmlns:p14="http://schemas.microsoft.com/office/powerpoint/2010/main" id="1" dur="indefinite" restart="never" nodeType="tmRoot"/>
+      </p:par>
+    </p:tnLst>
+  </p:timing>
 </p:sld>
 </file>
 
@@ -4134,6 +4180,13 @@
   <p:clrMapOvr>
     <a:masterClrMapping/>
   </p:clrMapOvr>
+  <p:timing>
+    <p:tnLst>
+      <p:par>
+        <p:cTn xmlns:p14="http://schemas.microsoft.com/office/powerpoint/2010/main" id="1" dur="indefinite" restart="never" nodeType="tmRoot"/>
+      </p:par>
+    </p:tnLst>
+  </p:timing>
 </p:sld>
 </file>
 
@@ -4285,6 +4338,13 @@
   <p:clrMapOvr>
     <a:masterClrMapping/>
   </p:clrMapOvr>
+  <p:timing>
+    <p:tnLst>
+      <p:par>
+        <p:cTn xmlns:p14="http://schemas.microsoft.com/office/powerpoint/2010/main" id="1" dur="indefinite" restart="never" nodeType="tmRoot"/>
+      </p:par>
+    </p:tnLst>
+  </p:timing>
 </p:sld>
 </file>
 
@@ -4440,6 +4500,13 @@
   <p:clrMapOvr>
     <a:masterClrMapping/>
   </p:clrMapOvr>
+  <p:timing>
+    <p:tnLst>
+      <p:par>
+        <p:cTn xmlns:p14="http://schemas.microsoft.com/office/powerpoint/2010/main" id="1" dur="indefinite" restart="never" nodeType="tmRoot"/>
+      </p:par>
+    </p:tnLst>
+  </p:timing>
 </p:sld>
 </file>
 
@@ -4608,6 +4675,13 @@
   <p:clrMapOvr>
     <a:masterClrMapping/>
   </p:clrMapOvr>
+  <p:timing>
+    <p:tnLst>
+      <p:par>
+        <p:cTn xmlns:p14="http://schemas.microsoft.com/office/powerpoint/2010/main" id="1" dur="indefinite" restart="never" nodeType="tmRoot"/>
+      </p:par>
+    </p:tnLst>
+  </p:timing>
 </p:sld>
 </file>
 
